--- a/ppt 16-9/0979.工作回忆.pptx
+++ b/ppt 16-9/0979.工作回忆.pptx
@@ -5,7 +5,7 @@
     <p:sldMasterId id="2147483648" r:id="rId1"/>
   </p:sldMasterIdLst>
   <p:sldIdLst>
-    <p:sldId id="1902" r:id="rId2"/>
+    <p:sldId id="1903" r:id="rId2"/>
   </p:sldIdLst>
   <p:sldSz cx="12192000" cy="6858000"/>
   <p:notesSz cx="6858000" cy="9144000"/>
@@ -129,7 +129,7 @@
           <p:cNvPr id="2" name="标题 1">
             <a:extLst>
               <a:ext uri="{FF2B5EF4-FFF2-40B4-BE49-F238E27FC236}">
-                <a16:creationId xmlns:a16="http://schemas.microsoft.com/office/drawing/2014/main" id="{FA3E97AA-35BF-7BFC-D0D9-D72190606EA4}"/>
+                <a16:creationId xmlns:a16="http://schemas.microsoft.com/office/drawing/2014/main" id="{6C2D015B-097C-4C86-103E-29FA8A075E1B}"/>
               </a:ext>
             </a:extLst>
           </p:cNvPr>
@@ -166,7 +166,7 @@
           <p:cNvPr id="3" name="副标题 2">
             <a:extLst>
               <a:ext uri="{FF2B5EF4-FFF2-40B4-BE49-F238E27FC236}">
-                <a16:creationId xmlns:a16="http://schemas.microsoft.com/office/drawing/2014/main" id="{EC4BB2EC-658C-0A5C-5021-D5EBB6704E73}"/>
+                <a16:creationId xmlns:a16="http://schemas.microsoft.com/office/drawing/2014/main" id="{F7F5F7F5-49C8-7954-A555-3A002BAD6D6A}"/>
               </a:ext>
             </a:extLst>
           </p:cNvPr>
@@ -236,7 +236,7 @@
           <p:cNvPr id="4" name="日期占位符 3">
             <a:extLst>
               <a:ext uri="{FF2B5EF4-FFF2-40B4-BE49-F238E27FC236}">
-                <a16:creationId xmlns:a16="http://schemas.microsoft.com/office/drawing/2014/main" id="{17EF2017-EBB5-92AD-F13E-D67A27CAD8C7}"/>
+                <a16:creationId xmlns:a16="http://schemas.microsoft.com/office/drawing/2014/main" id="{F3CA65CB-0C68-90AE-8E64-1AAB31229DCC}"/>
               </a:ext>
             </a:extLst>
           </p:cNvPr>
@@ -252,7 +252,7 @@
           <a:bodyPr/>
           <a:lstStyle/>
           <a:p>
-            <a:fld id="{0A3A396C-AFFB-4A37-B23A-BBC9ADE21DF3}" type="datetimeFigureOut">
+            <a:fld id="{5CB31C1F-6CBA-496E-989C-4F92B8E92F5A}" type="datetimeFigureOut">
               <a:rPr lang="zh-CN" altLang="en-US" smtClean="0"/>
               <a:t>2024/3/10</a:t>
             </a:fld>
@@ -265,7 +265,7 @@
           <p:cNvPr id="5" name="页脚占位符 4">
             <a:extLst>
               <a:ext uri="{FF2B5EF4-FFF2-40B4-BE49-F238E27FC236}">
-                <a16:creationId xmlns:a16="http://schemas.microsoft.com/office/drawing/2014/main" id="{5B1FBC3F-B70D-EBD3-5565-AE7AEE88C475}"/>
+                <a16:creationId xmlns:a16="http://schemas.microsoft.com/office/drawing/2014/main" id="{E65021AA-1C49-59FE-CDDA-624977E4D988}"/>
               </a:ext>
             </a:extLst>
           </p:cNvPr>
@@ -290,7 +290,7 @@
           <p:cNvPr id="6" name="灯片编号占位符 5">
             <a:extLst>
               <a:ext uri="{FF2B5EF4-FFF2-40B4-BE49-F238E27FC236}">
-                <a16:creationId xmlns:a16="http://schemas.microsoft.com/office/drawing/2014/main" id="{A94CA585-0C00-C867-DFA1-D48D8A8229C0}"/>
+                <a16:creationId xmlns:a16="http://schemas.microsoft.com/office/drawing/2014/main" id="{ED216165-793C-E142-1662-F12DCA6E742A}"/>
               </a:ext>
             </a:extLst>
           </p:cNvPr>
@@ -306,7 +306,7 @@
           <a:bodyPr/>
           <a:lstStyle/>
           <a:p>
-            <a:fld id="{DBFAE78A-6B53-49F5-A32C-261A1242165F}" type="slidenum">
+            <a:fld id="{57309E54-340C-4396-AB10-515E6BCC6352}" type="slidenum">
               <a:rPr lang="zh-CN" altLang="en-US" smtClean="0"/>
               <a:t>‹#›</a:t>
             </a:fld>
@@ -317,7 +317,7 @@
     </p:spTree>
     <p:extLst>
       <p:ext uri="{BB962C8B-B14F-4D97-AF65-F5344CB8AC3E}">
-        <p14:creationId xmlns:p14="http://schemas.microsoft.com/office/powerpoint/2010/main" val="2628583459"/>
+        <p14:creationId xmlns:p14="http://schemas.microsoft.com/office/powerpoint/2010/main" val="599242623"/>
       </p:ext>
     </p:extLst>
   </p:cSld>
@@ -349,7 +349,7 @@
           <p:cNvPr id="2" name="标题 1">
             <a:extLst>
               <a:ext uri="{FF2B5EF4-FFF2-40B4-BE49-F238E27FC236}">
-                <a16:creationId xmlns:a16="http://schemas.microsoft.com/office/drawing/2014/main" id="{0AD238D5-1777-C2BA-E7C7-1C0E5F47CBCF}"/>
+                <a16:creationId xmlns:a16="http://schemas.microsoft.com/office/drawing/2014/main" id="{1A273D4F-AC4C-B05C-44B5-312434DF06CD}"/>
               </a:ext>
             </a:extLst>
           </p:cNvPr>
@@ -377,7 +377,7 @@
           <p:cNvPr id="3" name="竖排文字占位符 2">
             <a:extLst>
               <a:ext uri="{FF2B5EF4-FFF2-40B4-BE49-F238E27FC236}">
-                <a16:creationId xmlns:a16="http://schemas.microsoft.com/office/drawing/2014/main" id="{714DE70C-41C5-E7ED-587C-9A8E518902AA}"/>
+                <a16:creationId xmlns:a16="http://schemas.microsoft.com/office/drawing/2014/main" id="{7B330153-3F4D-0D08-77BE-4081B7758B96}"/>
               </a:ext>
             </a:extLst>
           </p:cNvPr>
@@ -434,7 +434,7 @@
           <p:cNvPr id="4" name="日期占位符 3">
             <a:extLst>
               <a:ext uri="{FF2B5EF4-FFF2-40B4-BE49-F238E27FC236}">
-                <a16:creationId xmlns:a16="http://schemas.microsoft.com/office/drawing/2014/main" id="{A9EE29DF-BEA8-7EF8-99F3-44E07308A851}"/>
+                <a16:creationId xmlns:a16="http://schemas.microsoft.com/office/drawing/2014/main" id="{35AA2C40-C9E4-02F8-239A-13F7BDA9DAAE}"/>
               </a:ext>
             </a:extLst>
           </p:cNvPr>
@@ -450,7 +450,7 @@
           <a:bodyPr/>
           <a:lstStyle/>
           <a:p>
-            <a:fld id="{0A3A396C-AFFB-4A37-B23A-BBC9ADE21DF3}" type="datetimeFigureOut">
+            <a:fld id="{5CB31C1F-6CBA-496E-989C-4F92B8E92F5A}" type="datetimeFigureOut">
               <a:rPr lang="zh-CN" altLang="en-US" smtClean="0"/>
               <a:t>2024/3/10</a:t>
             </a:fld>
@@ -463,7 +463,7 @@
           <p:cNvPr id="5" name="页脚占位符 4">
             <a:extLst>
               <a:ext uri="{FF2B5EF4-FFF2-40B4-BE49-F238E27FC236}">
-                <a16:creationId xmlns:a16="http://schemas.microsoft.com/office/drawing/2014/main" id="{CEE25352-7212-76A6-BA8E-3A64DFC6E918}"/>
+                <a16:creationId xmlns:a16="http://schemas.microsoft.com/office/drawing/2014/main" id="{5CA14798-27D2-390C-DBC9-013D3EA6C5A4}"/>
               </a:ext>
             </a:extLst>
           </p:cNvPr>
@@ -488,7 +488,7 @@
           <p:cNvPr id="6" name="灯片编号占位符 5">
             <a:extLst>
               <a:ext uri="{FF2B5EF4-FFF2-40B4-BE49-F238E27FC236}">
-                <a16:creationId xmlns:a16="http://schemas.microsoft.com/office/drawing/2014/main" id="{A22F2373-0A2E-FCC9-2F97-E0DB62E9B5DE}"/>
+                <a16:creationId xmlns:a16="http://schemas.microsoft.com/office/drawing/2014/main" id="{EBB93938-76CA-7EFD-C063-FFA6FAC588D1}"/>
               </a:ext>
             </a:extLst>
           </p:cNvPr>
@@ -504,7 +504,7 @@
           <a:bodyPr/>
           <a:lstStyle/>
           <a:p>
-            <a:fld id="{DBFAE78A-6B53-49F5-A32C-261A1242165F}" type="slidenum">
+            <a:fld id="{57309E54-340C-4396-AB10-515E6BCC6352}" type="slidenum">
               <a:rPr lang="zh-CN" altLang="en-US" smtClean="0"/>
               <a:t>‹#›</a:t>
             </a:fld>
@@ -515,7 +515,7 @@
     </p:spTree>
     <p:extLst>
       <p:ext uri="{BB962C8B-B14F-4D97-AF65-F5344CB8AC3E}">
-        <p14:creationId xmlns:p14="http://schemas.microsoft.com/office/powerpoint/2010/main" val="2414520622"/>
+        <p14:creationId xmlns:p14="http://schemas.microsoft.com/office/powerpoint/2010/main" val="1656620112"/>
       </p:ext>
     </p:extLst>
   </p:cSld>
@@ -547,7 +547,7 @@
           <p:cNvPr id="2" name="竖排标题 1">
             <a:extLst>
               <a:ext uri="{FF2B5EF4-FFF2-40B4-BE49-F238E27FC236}">
-                <a16:creationId xmlns:a16="http://schemas.microsoft.com/office/drawing/2014/main" id="{C5F731DA-EEA1-3C60-123C-15B0B0FA31B3}"/>
+                <a16:creationId xmlns:a16="http://schemas.microsoft.com/office/drawing/2014/main" id="{97303C6E-5BC2-6918-FD0C-48C8071C363E}"/>
               </a:ext>
             </a:extLst>
           </p:cNvPr>
@@ -580,7 +580,7 @@
           <p:cNvPr id="3" name="竖排文字占位符 2">
             <a:extLst>
               <a:ext uri="{FF2B5EF4-FFF2-40B4-BE49-F238E27FC236}">
-                <a16:creationId xmlns:a16="http://schemas.microsoft.com/office/drawing/2014/main" id="{0C1DE341-C769-D2A9-15A8-09D3C6613FEC}"/>
+                <a16:creationId xmlns:a16="http://schemas.microsoft.com/office/drawing/2014/main" id="{544F3338-70AB-A2D0-0EF6-C4850D0A5AFC}"/>
               </a:ext>
             </a:extLst>
           </p:cNvPr>
@@ -642,7 +642,7 @@
           <p:cNvPr id="4" name="日期占位符 3">
             <a:extLst>
               <a:ext uri="{FF2B5EF4-FFF2-40B4-BE49-F238E27FC236}">
-                <a16:creationId xmlns:a16="http://schemas.microsoft.com/office/drawing/2014/main" id="{26A6931D-7527-A0CC-3338-98168D49C26F}"/>
+                <a16:creationId xmlns:a16="http://schemas.microsoft.com/office/drawing/2014/main" id="{C4890D67-95AA-A31C-75B7-36BAD9C9C5A0}"/>
               </a:ext>
             </a:extLst>
           </p:cNvPr>
@@ -658,7 +658,7 @@
           <a:bodyPr/>
           <a:lstStyle/>
           <a:p>
-            <a:fld id="{0A3A396C-AFFB-4A37-B23A-BBC9ADE21DF3}" type="datetimeFigureOut">
+            <a:fld id="{5CB31C1F-6CBA-496E-989C-4F92B8E92F5A}" type="datetimeFigureOut">
               <a:rPr lang="zh-CN" altLang="en-US" smtClean="0"/>
               <a:t>2024/3/10</a:t>
             </a:fld>
@@ -671,7 +671,7 @@
           <p:cNvPr id="5" name="页脚占位符 4">
             <a:extLst>
               <a:ext uri="{FF2B5EF4-FFF2-40B4-BE49-F238E27FC236}">
-                <a16:creationId xmlns:a16="http://schemas.microsoft.com/office/drawing/2014/main" id="{1BFD80E2-EC85-9C9E-607D-69E56B652117}"/>
+                <a16:creationId xmlns:a16="http://schemas.microsoft.com/office/drawing/2014/main" id="{BA3D582F-550E-9D86-CC8B-75276E374256}"/>
               </a:ext>
             </a:extLst>
           </p:cNvPr>
@@ -696,7 +696,7 @@
           <p:cNvPr id="6" name="灯片编号占位符 5">
             <a:extLst>
               <a:ext uri="{FF2B5EF4-FFF2-40B4-BE49-F238E27FC236}">
-                <a16:creationId xmlns:a16="http://schemas.microsoft.com/office/drawing/2014/main" id="{D59F7C4B-9BE9-7986-04B7-6C467B04B93E}"/>
+                <a16:creationId xmlns:a16="http://schemas.microsoft.com/office/drawing/2014/main" id="{76DC8668-BEDA-2423-23F5-B7A85EB60C0B}"/>
               </a:ext>
             </a:extLst>
           </p:cNvPr>
@@ -712,7 +712,7 @@
           <a:bodyPr/>
           <a:lstStyle/>
           <a:p>
-            <a:fld id="{DBFAE78A-6B53-49F5-A32C-261A1242165F}" type="slidenum">
+            <a:fld id="{57309E54-340C-4396-AB10-515E6BCC6352}" type="slidenum">
               <a:rPr lang="zh-CN" altLang="en-US" smtClean="0"/>
               <a:t>‹#›</a:t>
             </a:fld>
@@ -723,7 +723,7 @@
     </p:spTree>
     <p:extLst>
       <p:ext uri="{BB962C8B-B14F-4D97-AF65-F5344CB8AC3E}">
-        <p14:creationId xmlns:p14="http://schemas.microsoft.com/office/powerpoint/2010/main" val="2269444405"/>
+        <p14:creationId xmlns:p14="http://schemas.microsoft.com/office/powerpoint/2010/main" val="82044679"/>
       </p:ext>
     </p:extLst>
   </p:cSld>
@@ -755,7 +755,7 @@
           <p:cNvPr id="2" name="标题 1">
             <a:extLst>
               <a:ext uri="{FF2B5EF4-FFF2-40B4-BE49-F238E27FC236}">
-                <a16:creationId xmlns:a16="http://schemas.microsoft.com/office/drawing/2014/main" id="{FDD3EE2A-AA34-BEDD-84C9-4EADEDB388BA}"/>
+                <a16:creationId xmlns:a16="http://schemas.microsoft.com/office/drawing/2014/main" id="{287251EB-B3E6-F3F0-BA59-AF48DA5B89EA}"/>
               </a:ext>
             </a:extLst>
           </p:cNvPr>
@@ -783,7 +783,7 @@
           <p:cNvPr id="3" name="内容占位符 2">
             <a:extLst>
               <a:ext uri="{FF2B5EF4-FFF2-40B4-BE49-F238E27FC236}">
-                <a16:creationId xmlns:a16="http://schemas.microsoft.com/office/drawing/2014/main" id="{C53B439B-21E6-E808-6257-961966FCD187}"/>
+                <a16:creationId xmlns:a16="http://schemas.microsoft.com/office/drawing/2014/main" id="{EBA2C227-65B5-1F9A-296A-F7FFA8B9F176}"/>
               </a:ext>
             </a:extLst>
           </p:cNvPr>
@@ -840,7 +840,7 @@
           <p:cNvPr id="4" name="日期占位符 3">
             <a:extLst>
               <a:ext uri="{FF2B5EF4-FFF2-40B4-BE49-F238E27FC236}">
-                <a16:creationId xmlns:a16="http://schemas.microsoft.com/office/drawing/2014/main" id="{5CAD057D-77F9-B22F-0B3E-598D2EF5D2B1}"/>
+                <a16:creationId xmlns:a16="http://schemas.microsoft.com/office/drawing/2014/main" id="{E9FFCDE0-B087-9F75-2955-1C218C70814D}"/>
               </a:ext>
             </a:extLst>
           </p:cNvPr>
@@ -856,7 +856,7 @@
           <a:bodyPr/>
           <a:lstStyle/>
           <a:p>
-            <a:fld id="{0A3A396C-AFFB-4A37-B23A-BBC9ADE21DF3}" type="datetimeFigureOut">
+            <a:fld id="{5CB31C1F-6CBA-496E-989C-4F92B8E92F5A}" type="datetimeFigureOut">
               <a:rPr lang="zh-CN" altLang="en-US" smtClean="0"/>
               <a:t>2024/3/10</a:t>
             </a:fld>
@@ -869,7 +869,7 @@
           <p:cNvPr id="5" name="页脚占位符 4">
             <a:extLst>
               <a:ext uri="{FF2B5EF4-FFF2-40B4-BE49-F238E27FC236}">
-                <a16:creationId xmlns:a16="http://schemas.microsoft.com/office/drawing/2014/main" id="{D1FC301E-8D06-4641-4F86-6628077A9B58}"/>
+                <a16:creationId xmlns:a16="http://schemas.microsoft.com/office/drawing/2014/main" id="{18728D84-7BB2-7497-C146-069FEF86200D}"/>
               </a:ext>
             </a:extLst>
           </p:cNvPr>
@@ -894,7 +894,7 @@
           <p:cNvPr id="6" name="灯片编号占位符 5">
             <a:extLst>
               <a:ext uri="{FF2B5EF4-FFF2-40B4-BE49-F238E27FC236}">
-                <a16:creationId xmlns:a16="http://schemas.microsoft.com/office/drawing/2014/main" id="{BF109B52-7D6E-F2C7-C6CE-6F545CDA7E6C}"/>
+                <a16:creationId xmlns:a16="http://schemas.microsoft.com/office/drawing/2014/main" id="{ED325B14-5F1E-6E25-B20B-9A49268575D4}"/>
               </a:ext>
             </a:extLst>
           </p:cNvPr>
@@ -910,7 +910,7 @@
           <a:bodyPr/>
           <a:lstStyle/>
           <a:p>
-            <a:fld id="{DBFAE78A-6B53-49F5-A32C-261A1242165F}" type="slidenum">
+            <a:fld id="{57309E54-340C-4396-AB10-515E6BCC6352}" type="slidenum">
               <a:rPr lang="zh-CN" altLang="en-US" smtClean="0"/>
               <a:t>‹#›</a:t>
             </a:fld>
@@ -921,7 +921,7 @@
     </p:spTree>
     <p:extLst>
       <p:ext uri="{BB962C8B-B14F-4D97-AF65-F5344CB8AC3E}">
-        <p14:creationId xmlns:p14="http://schemas.microsoft.com/office/powerpoint/2010/main" val="992612356"/>
+        <p14:creationId xmlns:p14="http://schemas.microsoft.com/office/powerpoint/2010/main" val="84581191"/>
       </p:ext>
     </p:extLst>
   </p:cSld>
@@ -953,7 +953,7 @@
           <p:cNvPr id="2" name="标题 1">
             <a:extLst>
               <a:ext uri="{FF2B5EF4-FFF2-40B4-BE49-F238E27FC236}">
-                <a16:creationId xmlns:a16="http://schemas.microsoft.com/office/drawing/2014/main" id="{393282BD-8CA4-6C82-DA9F-7E3592B83F73}"/>
+                <a16:creationId xmlns:a16="http://schemas.microsoft.com/office/drawing/2014/main" id="{A0B59E10-63F6-3413-FAE6-8AB1F71651EF}"/>
               </a:ext>
             </a:extLst>
           </p:cNvPr>
@@ -990,7 +990,7 @@
           <p:cNvPr id="3" name="文本占位符 2">
             <a:extLst>
               <a:ext uri="{FF2B5EF4-FFF2-40B4-BE49-F238E27FC236}">
-                <a16:creationId xmlns:a16="http://schemas.microsoft.com/office/drawing/2014/main" id="{79607EA7-C1A7-FF58-9D06-A3031E66E56F}"/>
+                <a16:creationId xmlns:a16="http://schemas.microsoft.com/office/drawing/2014/main" id="{D2191522-FD6F-01AE-D128-4AB18C547B09}"/>
               </a:ext>
             </a:extLst>
           </p:cNvPr>
@@ -1115,7 +1115,7 @@
           <p:cNvPr id="4" name="日期占位符 3">
             <a:extLst>
               <a:ext uri="{FF2B5EF4-FFF2-40B4-BE49-F238E27FC236}">
-                <a16:creationId xmlns:a16="http://schemas.microsoft.com/office/drawing/2014/main" id="{9705C759-B637-A334-3A39-CE037787E9B3}"/>
+                <a16:creationId xmlns:a16="http://schemas.microsoft.com/office/drawing/2014/main" id="{11FB0BD6-5429-009D-EA5E-D8B90B24A615}"/>
               </a:ext>
             </a:extLst>
           </p:cNvPr>
@@ -1131,7 +1131,7 @@
           <a:bodyPr/>
           <a:lstStyle/>
           <a:p>
-            <a:fld id="{0A3A396C-AFFB-4A37-B23A-BBC9ADE21DF3}" type="datetimeFigureOut">
+            <a:fld id="{5CB31C1F-6CBA-496E-989C-4F92B8E92F5A}" type="datetimeFigureOut">
               <a:rPr lang="zh-CN" altLang="en-US" smtClean="0"/>
               <a:t>2024/3/10</a:t>
             </a:fld>
@@ -1144,7 +1144,7 @@
           <p:cNvPr id="5" name="页脚占位符 4">
             <a:extLst>
               <a:ext uri="{FF2B5EF4-FFF2-40B4-BE49-F238E27FC236}">
-                <a16:creationId xmlns:a16="http://schemas.microsoft.com/office/drawing/2014/main" id="{07D9DE9F-7E65-993C-9378-1DBE7B2D9176}"/>
+                <a16:creationId xmlns:a16="http://schemas.microsoft.com/office/drawing/2014/main" id="{BB02FD14-D2D2-5E63-453D-BD74848D515C}"/>
               </a:ext>
             </a:extLst>
           </p:cNvPr>
@@ -1169,7 +1169,7 @@
           <p:cNvPr id="6" name="灯片编号占位符 5">
             <a:extLst>
               <a:ext uri="{FF2B5EF4-FFF2-40B4-BE49-F238E27FC236}">
-                <a16:creationId xmlns:a16="http://schemas.microsoft.com/office/drawing/2014/main" id="{470B11B0-A559-E35C-4827-924FDAB24E20}"/>
+                <a16:creationId xmlns:a16="http://schemas.microsoft.com/office/drawing/2014/main" id="{29E5F0A4-52CB-D77B-5EA3-20FF924A110E}"/>
               </a:ext>
             </a:extLst>
           </p:cNvPr>
@@ -1185,7 +1185,7 @@
           <a:bodyPr/>
           <a:lstStyle/>
           <a:p>
-            <a:fld id="{DBFAE78A-6B53-49F5-A32C-261A1242165F}" type="slidenum">
+            <a:fld id="{57309E54-340C-4396-AB10-515E6BCC6352}" type="slidenum">
               <a:rPr lang="zh-CN" altLang="en-US" smtClean="0"/>
               <a:t>‹#›</a:t>
             </a:fld>
@@ -1196,7 +1196,7 @@
     </p:spTree>
     <p:extLst>
       <p:ext uri="{BB962C8B-B14F-4D97-AF65-F5344CB8AC3E}">
-        <p14:creationId xmlns:p14="http://schemas.microsoft.com/office/powerpoint/2010/main" val="1577432162"/>
+        <p14:creationId xmlns:p14="http://schemas.microsoft.com/office/powerpoint/2010/main" val="3321213284"/>
       </p:ext>
     </p:extLst>
   </p:cSld>
@@ -1228,7 +1228,7 @@
           <p:cNvPr id="2" name="标题 1">
             <a:extLst>
               <a:ext uri="{FF2B5EF4-FFF2-40B4-BE49-F238E27FC236}">
-                <a16:creationId xmlns:a16="http://schemas.microsoft.com/office/drawing/2014/main" id="{5C01938D-CBF4-EA57-DF47-B03FB136E579}"/>
+                <a16:creationId xmlns:a16="http://schemas.microsoft.com/office/drawing/2014/main" id="{07A22452-352C-DD95-B7BB-E6173F1438A1}"/>
               </a:ext>
             </a:extLst>
           </p:cNvPr>
@@ -1256,7 +1256,7 @@
           <p:cNvPr id="3" name="内容占位符 2">
             <a:extLst>
               <a:ext uri="{FF2B5EF4-FFF2-40B4-BE49-F238E27FC236}">
-                <a16:creationId xmlns:a16="http://schemas.microsoft.com/office/drawing/2014/main" id="{E73CEE3B-5AD3-66E6-943B-47D0A107DF55}"/>
+                <a16:creationId xmlns:a16="http://schemas.microsoft.com/office/drawing/2014/main" id="{621DAC09-0479-1E7B-A4B1-8CE40B946484}"/>
               </a:ext>
             </a:extLst>
           </p:cNvPr>
@@ -1318,7 +1318,7 @@
           <p:cNvPr id="4" name="内容占位符 3">
             <a:extLst>
               <a:ext uri="{FF2B5EF4-FFF2-40B4-BE49-F238E27FC236}">
-                <a16:creationId xmlns:a16="http://schemas.microsoft.com/office/drawing/2014/main" id="{AA56BF29-559D-06CF-4D02-C4CFDB5CFD5B}"/>
+                <a16:creationId xmlns:a16="http://schemas.microsoft.com/office/drawing/2014/main" id="{9DE765B7-4637-86A1-2796-67D202457DE9}"/>
               </a:ext>
             </a:extLst>
           </p:cNvPr>
@@ -1380,7 +1380,7 @@
           <p:cNvPr id="5" name="日期占位符 4">
             <a:extLst>
               <a:ext uri="{FF2B5EF4-FFF2-40B4-BE49-F238E27FC236}">
-                <a16:creationId xmlns:a16="http://schemas.microsoft.com/office/drawing/2014/main" id="{0864D4A9-1C9D-1179-384C-2B84345607F7}"/>
+                <a16:creationId xmlns:a16="http://schemas.microsoft.com/office/drawing/2014/main" id="{C66BF5F9-93A4-B9F3-8E17-A9E5067EA1A0}"/>
               </a:ext>
             </a:extLst>
           </p:cNvPr>
@@ -1396,7 +1396,7 @@
           <a:bodyPr/>
           <a:lstStyle/>
           <a:p>
-            <a:fld id="{0A3A396C-AFFB-4A37-B23A-BBC9ADE21DF3}" type="datetimeFigureOut">
+            <a:fld id="{5CB31C1F-6CBA-496E-989C-4F92B8E92F5A}" type="datetimeFigureOut">
               <a:rPr lang="zh-CN" altLang="en-US" smtClean="0"/>
               <a:t>2024/3/10</a:t>
             </a:fld>
@@ -1409,7 +1409,7 @@
           <p:cNvPr id="6" name="页脚占位符 5">
             <a:extLst>
               <a:ext uri="{FF2B5EF4-FFF2-40B4-BE49-F238E27FC236}">
-                <a16:creationId xmlns:a16="http://schemas.microsoft.com/office/drawing/2014/main" id="{56DA5585-3366-9F9F-4B78-F98031EFB8FB}"/>
+                <a16:creationId xmlns:a16="http://schemas.microsoft.com/office/drawing/2014/main" id="{B3F48C41-D962-E6C4-7304-2B041A6BA1DA}"/>
               </a:ext>
             </a:extLst>
           </p:cNvPr>
@@ -1434,7 +1434,7 @@
           <p:cNvPr id="7" name="灯片编号占位符 6">
             <a:extLst>
               <a:ext uri="{FF2B5EF4-FFF2-40B4-BE49-F238E27FC236}">
-                <a16:creationId xmlns:a16="http://schemas.microsoft.com/office/drawing/2014/main" id="{99AA3B19-0D74-1BD4-9B71-7060477D49D9}"/>
+                <a16:creationId xmlns:a16="http://schemas.microsoft.com/office/drawing/2014/main" id="{92EC53B7-A632-3DF5-BD40-72227557AAD5}"/>
               </a:ext>
             </a:extLst>
           </p:cNvPr>
@@ -1450,7 +1450,7 @@
           <a:bodyPr/>
           <a:lstStyle/>
           <a:p>
-            <a:fld id="{DBFAE78A-6B53-49F5-A32C-261A1242165F}" type="slidenum">
+            <a:fld id="{57309E54-340C-4396-AB10-515E6BCC6352}" type="slidenum">
               <a:rPr lang="zh-CN" altLang="en-US" smtClean="0"/>
               <a:t>‹#›</a:t>
             </a:fld>
@@ -1461,7 +1461,7 @@
     </p:spTree>
     <p:extLst>
       <p:ext uri="{BB962C8B-B14F-4D97-AF65-F5344CB8AC3E}">
-        <p14:creationId xmlns:p14="http://schemas.microsoft.com/office/powerpoint/2010/main" val="4051807275"/>
+        <p14:creationId xmlns:p14="http://schemas.microsoft.com/office/powerpoint/2010/main" val="3631211788"/>
       </p:ext>
     </p:extLst>
   </p:cSld>
@@ -1493,7 +1493,7 @@
           <p:cNvPr id="2" name="标题 1">
             <a:extLst>
               <a:ext uri="{FF2B5EF4-FFF2-40B4-BE49-F238E27FC236}">
-                <a16:creationId xmlns:a16="http://schemas.microsoft.com/office/drawing/2014/main" id="{1A1C0A6D-205E-2989-8FAF-DF4F79CE040A}"/>
+                <a16:creationId xmlns:a16="http://schemas.microsoft.com/office/drawing/2014/main" id="{AC37876B-0609-6165-2F91-8243A6FF7F42}"/>
               </a:ext>
             </a:extLst>
           </p:cNvPr>
@@ -1526,7 +1526,7 @@
           <p:cNvPr id="3" name="文本占位符 2">
             <a:extLst>
               <a:ext uri="{FF2B5EF4-FFF2-40B4-BE49-F238E27FC236}">
-                <a16:creationId xmlns:a16="http://schemas.microsoft.com/office/drawing/2014/main" id="{02164CFF-CB9C-85D1-B751-73F35D1B8EC5}"/>
+                <a16:creationId xmlns:a16="http://schemas.microsoft.com/office/drawing/2014/main" id="{DC3F0E45-DE32-7C85-48A7-5EFB89F86E31}"/>
               </a:ext>
             </a:extLst>
           </p:cNvPr>
@@ -1597,7 +1597,7 @@
           <p:cNvPr id="4" name="内容占位符 3">
             <a:extLst>
               <a:ext uri="{FF2B5EF4-FFF2-40B4-BE49-F238E27FC236}">
-                <a16:creationId xmlns:a16="http://schemas.microsoft.com/office/drawing/2014/main" id="{96749628-5650-38EA-23A0-B44EB4DE196C}"/>
+                <a16:creationId xmlns:a16="http://schemas.microsoft.com/office/drawing/2014/main" id="{B48180F4-189F-5E16-F07C-31874E9F8CC9}"/>
               </a:ext>
             </a:extLst>
           </p:cNvPr>
@@ -1659,7 +1659,7 @@
           <p:cNvPr id="5" name="文本占位符 4">
             <a:extLst>
               <a:ext uri="{FF2B5EF4-FFF2-40B4-BE49-F238E27FC236}">
-                <a16:creationId xmlns:a16="http://schemas.microsoft.com/office/drawing/2014/main" id="{D103C945-F61D-34C2-F3A8-EBFF12ADB985}"/>
+                <a16:creationId xmlns:a16="http://schemas.microsoft.com/office/drawing/2014/main" id="{CD242746-800B-F9E7-1134-907F209DF910}"/>
               </a:ext>
             </a:extLst>
           </p:cNvPr>
@@ -1730,7 +1730,7 @@
           <p:cNvPr id="6" name="内容占位符 5">
             <a:extLst>
               <a:ext uri="{FF2B5EF4-FFF2-40B4-BE49-F238E27FC236}">
-                <a16:creationId xmlns:a16="http://schemas.microsoft.com/office/drawing/2014/main" id="{4C2DFEE9-5599-FE4F-205F-C9112CAB0C17}"/>
+                <a16:creationId xmlns:a16="http://schemas.microsoft.com/office/drawing/2014/main" id="{0E3EF748-2CAD-4FB7-E5A1-3B5D2F178439}"/>
               </a:ext>
             </a:extLst>
           </p:cNvPr>
@@ -1792,7 +1792,7 @@
           <p:cNvPr id="7" name="日期占位符 6">
             <a:extLst>
               <a:ext uri="{FF2B5EF4-FFF2-40B4-BE49-F238E27FC236}">
-                <a16:creationId xmlns:a16="http://schemas.microsoft.com/office/drawing/2014/main" id="{81645073-04D8-8831-1438-DCB9B50CE493}"/>
+                <a16:creationId xmlns:a16="http://schemas.microsoft.com/office/drawing/2014/main" id="{F11FC6A3-99E7-923E-001E-1631BF5815DB}"/>
               </a:ext>
             </a:extLst>
           </p:cNvPr>
@@ -1808,7 +1808,7 @@
           <a:bodyPr/>
           <a:lstStyle/>
           <a:p>
-            <a:fld id="{0A3A396C-AFFB-4A37-B23A-BBC9ADE21DF3}" type="datetimeFigureOut">
+            <a:fld id="{5CB31C1F-6CBA-496E-989C-4F92B8E92F5A}" type="datetimeFigureOut">
               <a:rPr lang="zh-CN" altLang="en-US" smtClean="0"/>
               <a:t>2024/3/10</a:t>
             </a:fld>
@@ -1821,7 +1821,7 @@
           <p:cNvPr id="8" name="页脚占位符 7">
             <a:extLst>
               <a:ext uri="{FF2B5EF4-FFF2-40B4-BE49-F238E27FC236}">
-                <a16:creationId xmlns:a16="http://schemas.microsoft.com/office/drawing/2014/main" id="{4C62FBDB-EAA5-0017-2B0A-4BEF9DAA186C}"/>
+                <a16:creationId xmlns:a16="http://schemas.microsoft.com/office/drawing/2014/main" id="{FB2C8AD8-553F-CA49-08EE-1FEDDBCACDB9}"/>
               </a:ext>
             </a:extLst>
           </p:cNvPr>
@@ -1846,7 +1846,7 @@
           <p:cNvPr id="9" name="灯片编号占位符 8">
             <a:extLst>
               <a:ext uri="{FF2B5EF4-FFF2-40B4-BE49-F238E27FC236}">
-                <a16:creationId xmlns:a16="http://schemas.microsoft.com/office/drawing/2014/main" id="{60FC115B-FFB3-6B56-C272-791451DE6824}"/>
+                <a16:creationId xmlns:a16="http://schemas.microsoft.com/office/drawing/2014/main" id="{9D748785-4EE5-E598-0E70-564484ACF96D}"/>
               </a:ext>
             </a:extLst>
           </p:cNvPr>
@@ -1862,7 +1862,7 @@
           <a:bodyPr/>
           <a:lstStyle/>
           <a:p>
-            <a:fld id="{DBFAE78A-6B53-49F5-A32C-261A1242165F}" type="slidenum">
+            <a:fld id="{57309E54-340C-4396-AB10-515E6BCC6352}" type="slidenum">
               <a:rPr lang="zh-CN" altLang="en-US" smtClean="0"/>
               <a:t>‹#›</a:t>
             </a:fld>
@@ -1873,7 +1873,7 @@
     </p:spTree>
     <p:extLst>
       <p:ext uri="{BB962C8B-B14F-4D97-AF65-F5344CB8AC3E}">
-        <p14:creationId xmlns:p14="http://schemas.microsoft.com/office/powerpoint/2010/main" val="2596379652"/>
+        <p14:creationId xmlns:p14="http://schemas.microsoft.com/office/powerpoint/2010/main" val="1209226182"/>
       </p:ext>
     </p:extLst>
   </p:cSld>
@@ -1905,7 +1905,7 @@
           <p:cNvPr id="2" name="标题 1">
             <a:extLst>
               <a:ext uri="{FF2B5EF4-FFF2-40B4-BE49-F238E27FC236}">
-                <a16:creationId xmlns:a16="http://schemas.microsoft.com/office/drawing/2014/main" id="{E5616D96-BFA7-9366-61A6-C07BF692EC5E}"/>
+                <a16:creationId xmlns:a16="http://schemas.microsoft.com/office/drawing/2014/main" id="{F6D8B18C-F240-964A-70EF-9B35BC9A3A66}"/>
               </a:ext>
             </a:extLst>
           </p:cNvPr>
@@ -1933,7 +1933,7 @@
           <p:cNvPr id="3" name="日期占位符 2">
             <a:extLst>
               <a:ext uri="{FF2B5EF4-FFF2-40B4-BE49-F238E27FC236}">
-                <a16:creationId xmlns:a16="http://schemas.microsoft.com/office/drawing/2014/main" id="{CE3F94FC-7321-6855-340D-B0F4F2AD1825}"/>
+                <a16:creationId xmlns:a16="http://schemas.microsoft.com/office/drawing/2014/main" id="{F30094B1-B589-3CB0-E5A6-0BAC5AB70399}"/>
               </a:ext>
             </a:extLst>
           </p:cNvPr>
@@ -1949,7 +1949,7 @@
           <a:bodyPr/>
           <a:lstStyle/>
           <a:p>
-            <a:fld id="{0A3A396C-AFFB-4A37-B23A-BBC9ADE21DF3}" type="datetimeFigureOut">
+            <a:fld id="{5CB31C1F-6CBA-496E-989C-4F92B8E92F5A}" type="datetimeFigureOut">
               <a:rPr lang="zh-CN" altLang="en-US" smtClean="0"/>
               <a:t>2024/3/10</a:t>
             </a:fld>
@@ -1962,7 +1962,7 @@
           <p:cNvPr id="4" name="页脚占位符 3">
             <a:extLst>
               <a:ext uri="{FF2B5EF4-FFF2-40B4-BE49-F238E27FC236}">
-                <a16:creationId xmlns:a16="http://schemas.microsoft.com/office/drawing/2014/main" id="{7A707279-3D67-B8A1-CC00-9601EF21ABFE}"/>
+                <a16:creationId xmlns:a16="http://schemas.microsoft.com/office/drawing/2014/main" id="{391E1825-B78E-0439-512D-632B107E6F9E}"/>
               </a:ext>
             </a:extLst>
           </p:cNvPr>
@@ -1987,7 +1987,7 @@
           <p:cNvPr id="5" name="灯片编号占位符 4">
             <a:extLst>
               <a:ext uri="{FF2B5EF4-FFF2-40B4-BE49-F238E27FC236}">
-                <a16:creationId xmlns:a16="http://schemas.microsoft.com/office/drawing/2014/main" id="{13FFE92C-C600-A7DB-91AC-4E3B91275634}"/>
+                <a16:creationId xmlns:a16="http://schemas.microsoft.com/office/drawing/2014/main" id="{123908A4-AD6E-1728-1AFC-A8616FB227FA}"/>
               </a:ext>
             </a:extLst>
           </p:cNvPr>
@@ -2003,7 +2003,7 @@
           <a:bodyPr/>
           <a:lstStyle/>
           <a:p>
-            <a:fld id="{DBFAE78A-6B53-49F5-A32C-261A1242165F}" type="slidenum">
+            <a:fld id="{57309E54-340C-4396-AB10-515E6BCC6352}" type="slidenum">
               <a:rPr lang="zh-CN" altLang="en-US" smtClean="0"/>
               <a:t>‹#›</a:t>
             </a:fld>
@@ -2014,7 +2014,7 @@
     </p:spTree>
     <p:extLst>
       <p:ext uri="{BB962C8B-B14F-4D97-AF65-F5344CB8AC3E}">
-        <p14:creationId xmlns:p14="http://schemas.microsoft.com/office/powerpoint/2010/main" val="1233004803"/>
+        <p14:creationId xmlns:p14="http://schemas.microsoft.com/office/powerpoint/2010/main" val="141420583"/>
       </p:ext>
     </p:extLst>
   </p:cSld>
@@ -2046,7 +2046,7 @@
           <p:cNvPr id="2" name="日期占位符 1">
             <a:extLst>
               <a:ext uri="{FF2B5EF4-FFF2-40B4-BE49-F238E27FC236}">
-                <a16:creationId xmlns:a16="http://schemas.microsoft.com/office/drawing/2014/main" id="{7A370477-0CE2-F0F1-57A4-2663F33A00E3}"/>
+                <a16:creationId xmlns:a16="http://schemas.microsoft.com/office/drawing/2014/main" id="{4860B3FC-F5B6-8E59-3CFA-A63D79C8BA87}"/>
               </a:ext>
             </a:extLst>
           </p:cNvPr>
@@ -2062,7 +2062,7 @@
           <a:bodyPr/>
           <a:lstStyle/>
           <a:p>
-            <a:fld id="{0A3A396C-AFFB-4A37-B23A-BBC9ADE21DF3}" type="datetimeFigureOut">
+            <a:fld id="{5CB31C1F-6CBA-496E-989C-4F92B8E92F5A}" type="datetimeFigureOut">
               <a:rPr lang="zh-CN" altLang="en-US" smtClean="0"/>
               <a:t>2024/3/10</a:t>
             </a:fld>
@@ -2075,7 +2075,7 @@
           <p:cNvPr id="3" name="页脚占位符 2">
             <a:extLst>
               <a:ext uri="{FF2B5EF4-FFF2-40B4-BE49-F238E27FC236}">
-                <a16:creationId xmlns:a16="http://schemas.microsoft.com/office/drawing/2014/main" id="{38B076A7-7BC7-B406-02C4-2256103F1AD2}"/>
+                <a16:creationId xmlns:a16="http://schemas.microsoft.com/office/drawing/2014/main" id="{59BDCBDD-4724-A3EE-B65E-0856408287F2}"/>
               </a:ext>
             </a:extLst>
           </p:cNvPr>
@@ -2100,7 +2100,7 @@
           <p:cNvPr id="4" name="灯片编号占位符 3">
             <a:extLst>
               <a:ext uri="{FF2B5EF4-FFF2-40B4-BE49-F238E27FC236}">
-                <a16:creationId xmlns:a16="http://schemas.microsoft.com/office/drawing/2014/main" id="{98DD1349-1029-FD9C-2CA4-58BCEC3F3101}"/>
+                <a16:creationId xmlns:a16="http://schemas.microsoft.com/office/drawing/2014/main" id="{2BCB2C80-4C81-C76E-B93D-4E74F7B631E5}"/>
               </a:ext>
             </a:extLst>
           </p:cNvPr>
@@ -2116,7 +2116,7 @@
           <a:bodyPr/>
           <a:lstStyle/>
           <a:p>
-            <a:fld id="{DBFAE78A-6B53-49F5-A32C-261A1242165F}" type="slidenum">
+            <a:fld id="{57309E54-340C-4396-AB10-515E6BCC6352}" type="slidenum">
               <a:rPr lang="zh-CN" altLang="en-US" smtClean="0"/>
               <a:t>‹#›</a:t>
             </a:fld>
@@ -2127,7 +2127,7 @@
     </p:spTree>
     <p:extLst>
       <p:ext uri="{BB962C8B-B14F-4D97-AF65-F5344CB8AC3E}">
-        <p14:creationId xmlns:p14="http://schemas.microsoft.com/office/powerpoint/2010/main" val="500931685"/>
+        <p14:creationId xmlns:p14="http://schemas.microsoft.com/office/powerpoint/2010/main" val="569861480"/>
       </p:ext>
     </p:extLst>
   </p:cSld>
@@ -2159,7 +2159,7 @@
           <p:cNvPr id="2" name="标题 1">
             <a:extLst>
               <a:ext uri="{FF2B5EF4-FFF2-40B4-BE49-F238E27FC236}">
-                <a16:creationId xmlns:a16="http://schemas.microsoft.com/office/drawing/2014/main" id="{D5225C6D-ED6A-99F5-7903-D6AB6B7CA6B8}"/>
+                <a16:creationId xmlns:a16="http://schemas.microsoft.com/office/drawing/2014/main" id="{5C7A8F76-D632-963C-1C8B-31787A180007}"/>
               </a:ext>
             </a:extLst>
           </p:cNvPr>
@@ -2196,7 +2196,7 @@
           <p:cNvPr id="3" name="内容占位符 2">
             <a:extLst>
               <a:ext uri="{FF2B5EF4-FFF2-40B4-BE49-F238E27FC236}">
-                <a16:creationId xmlns:a16="http://schemas.microsoft.com/office/drawing/2014/main" id="{28CB1CA7-342F-F806-C17A-C1DBB919BE31}"/>
+                <a16:creationId xmlns:a16="http://schemas.microsoft.com/office/drawing/2014/main" id="{4E12AE33-79E6-9944-8F72-254950A69DEF}"/>
               </a:ext>
             </a:extLst>
           </p:cNvPr>
@@ -2286,7 +2286,7 @@
           <p:cNvPr id="4" name="文本占位符 3">
             <a:extLst>
               <a:ext uri="{FF2B5EF4-FFF2-40B4-BE49-F238E27FC236}">
-                <a16:creationId xmlns:a16="http://schemas.microsoft.com/office/drawing/2014/main" id="{F8A376A3-B36F-4A41-1170-02B51DA28CD7}"/>
+                <a16:creationId xmlns:a16="http://schemas.microsoft.com/office/drawing/2014/main" id="{CDA03AB4-B2DF-B900-8AB9-DDCCBDD9AECC}"/>
               </a:ext>
             </a:extLst>
           </p:cNvPr>
@@ -2357,7 +2357,7 @@
           <p:cNvPr id="5" name="日期占位符 4">
             <a:extLst>
               <a:ext uri="{FF2B5EF4-FFF2-40B4-BE49-F238E27FC236}">
-                <a16:creationId xmlns:a16="http://schemas.microsoft.com/office/drawing/2014/main" id="{015DE138-C9D3-0670-26E9-47948FE6B07A}"/>
+                <a16:creationId xmlns:a16="http://schemas.microsoft.com/office/drawing/2014/main" id="{7271C050-6E3C-44F3-0BFD-4964F1BF4198}"/>
               </a:ext>
             </a:extLst>
           </p:cNvPr>
@@ -2373,7 +2373,7 @@
           <a:bodyPr/>
           <a:lstStyle/>
           <a:p>
-            <a:fld id="{0A3A396C-AFFB-4A37-B23A-BBC9ADE21DF3}" type="datetimeFigureOut">
+            <a:fld id="{5CB31C1F-6CBA-496E-989C-4F92B8E92F5A}" type="datetimeFigureOut">
               <a:rPr lang="zh-CN" altLang="en-US" smtClean="0"/>
               <a:t>2024/3/10</a:t>
             </a:fld>
@@ -2386,7 +2386,7 @@
           <p:cNvPr id="6" name="页脚占位符 5">
             <a:extLst>
               <a:ext uri="{FF2B5EF4-FFF2-40B4-BE49-F238E27FC236}">
-                <a16:creationId xmlns:a16="http://schemas.microsoft.com/office/drawing/2014/main" id="{FF32197C-1ADC-2207-3754-8C417BC3FB76}"/>
+                <a16:creationId xmlns:a16="http://schemas.microsoft.com/office/drawing/2014/main" id="{6800AA6A-269B-BA4A-13D4-C5D2FD1C718A}"/>
               </a:ext>
             </a:extLst>
           </p:cNvPr>
@@ -2411,7 +2411,7 @@
           <p:cNvPr id="7" name="灯片编号占位符 6">
             <a:extLst>
               <a:ext uri="{FF2B5EF4-FFF2-40B4-BE49-F238E27FC236}">
-                <a16:creationId xmlns:a16="http://schemas.microsoft.com/office/drawing/2014/main" id="{7B3D43D6-7B6C-251B-C764-7EF51EBB9791}"/>
+                <a16:creationId xmlns:a16="http://schemas.microsoft.com/office/drawing/2014/main" id="{36A5311D-8FC8-5544-C194-2D28DC1C5A94}"/>
               </a:ext>
             </a:extLst>
           </p:cNvPr>
@@ -2427,7 +2427,7 @@
           <a:bodyPr/>
           <a:lstStyle/>
           <a:p>
-            <a:fld id="{DBFAE78A-6B53-49F5-A32C-261A1242165F}" type="slidenum">
+            <a:fld id="{57309E54-340C-4396-AB10-515E6BCC6352}" type="slidenum">
               <a:rPr lang="zh-CN" altLang="en-US" smtClean="0"/>
               <a:t>‹#›</a:t>
             </a:fld>
@@ -2438,7 +2438,7 @@
     </p:spTree>
     <p:extLst>
       <p:ext uri="{BB962C8B-B14F-4D97-AF65-F5344CB8AC3E}">
-        <p14:creationId xmlns:p14="http://schemas.microsoft.com/office/powerpoint/2010/main" val="144881528"/>
+        <p14:creationId xmlns:p14="http://schemas.microsoft.com/office/powerpoint/2010/main" val="2779975991"/>
       </p:ext>
     </p:extLst>
   </p:cSld>
@@ -2470,7 +2470,7 @@
           <p:cNvPr id="2" name="标题 1">
             <a:extLst>
               <a:ext uri="{FF2B5EF4-FFF2-40B4-BE49-F238E27FC236}">
-                <a16:creationId xmlns:a16="http://schemas.microsoft.com/office/drawing/2014/main" id="{A177E1F9-45D1-A2DE-F860-A46846DDC9E1}"/>
+                <a16:creationId xmlns:a16="http://schemas.microsoft.com/office/drawing/2014/main" id="{00FE116C-F7EC-61BD-BFA4-D51D69C4D5CD}"/>
               </a:ext>
             </a:extLst>
           </p:cNvPr>
@@ -2507,7 +2507,7 @@
           <p:cNvPr id="3" name="图片占位符 2">
             <a:extLst>
               <a:ext uri="{FF2B5EF4-FFF2-40B4-BE49-F238E27FC236}">
-                <a16:creationId xmlns:a16="http://schemas.microsoft.com/office/drawing/2014/main" id="{1968E474-FFC7-E01A-D739-508947D1F34B}"/>
+                <a16:creationId xmlns:a16="http://schemas.microsoft.com/office/drawing/2014/main" id="{9A37AAF7-5FEA-B90F-6477-05C399BB7717}"/>
               </a:ext>
             </a:extLst>
           </p:cNvPr>
@@ -2574,7 +2574,7 @@
           <p:cNvPr id="4" name="文本占位符 3">
             <a:extLst>
               <a:ext uri="{FF2B5EF4-FFF2-40B4-BE49-F238E27FC236}">
-                <a16:creationId xmlns:a16="http://schemas.microsoft.com/office/drawing/2014/main" id="{A69775EC-76EC-7623-910B-A581B75533D1}"/>
+                <a16:creationId xmlns:a16="http://schemas.microsoft.com/office/drawing/2014/main" id="{83CF7FD8-3E9A-BD47-797D-0C15D63C4F87}"/>
               </a:ext>
             </a:extLst>
           </p:cNvPr>
@@ -2645,7 +2645,7 @@
           <p:cNvPr id="5" name="日期占位符 4">
             <a:extLst>
               <a:ext uri="{FF2B5EF4-FFF2-40B4-BE49-F238E27FC236}">
-                <a16:creationId xmlns:a16="http://schemas.microsoft.com/office/drawing/2014/main" id="{0E4969B7-1BE0-FED6-E1BF-80B738BAE4C5}"/>
+                <a16:creationId xmlns:a16="http://schemas.microsoft.com/office/drawing/2014/main" id="{941C1E06-5FAF-D497-6073-40474FF69CB3}"/>
               </a:ext>
             </a:extLst>
           </p:cNvPr>
@@ -2661,7 +2661,7 @@
           <a:bodyPr/>
           <a:lstStyle/>
           <a:p>
-            <a:fld id="{0A3A396C-AFFB-4A37-B23A-BBC9ADE21DF3}" type="datetimeFigureOut">
+            <a:fld id="{5CB31C1F-6CBA-496E-989C-4F92B8E92F5A}" type="datetimeFigureOut">
               <a:rPr lang="zh-CN" altLang="en-US" smtClean="0"/>
               <a:t>2024/3/10</a:t>
             </a:fld>
@@ -2674,7 +2674,7 @@
           <p:cNvPr id="6" name="页脚占位符 5">
             <a:extLst>
               <a:ext uri="{FF2B5EF4-FFF2-40B4-BE49-F238E27FC236}">
-                <a16:creationId xmlns:a16="http://schemas.microsoft.com/office/drawing/2014/main" id="{E234B474-ED40-8EE9-7B49-06CC0ACDDC3A}"/>
+                <a16:creationId xmlns:a16="http://schemas.microsoft.com/office/drawing/2014/main" id="{6330C1E2-62F9-FD05-9B84-0942FFEAC508}"/>
               </a:ext>
             </a:extLst>
           </p:cNvPr>
@@ -2699,7 +2699,7 @@
           <p:cNvPr id="7" name="灯片编号占位符 6">
             <a:extLst>
               <a:ext uri="{FF2B5EF4-FFF2-40B4-BE49-F238E27FC236}">
-                <a16:creationId xmlns:a16="http://schemas.microsoft.com/office/drawing/2014/main" id="{D476FF9E-00CC-9E1B-67E1-AAA4742B348F}"/>
+                <a16:creationId xmlns:a16="http://schemas.microsoft.com/office/drawing/2014/main" id="{4BC24D37-8AC9-B810-7D92-35638D6D83DB}"/>
               </a:ext>
             </a:extLst>
           </p:cNvPr>
@@ -2715,7 +2715,7 @@
           <a:bodyPr/>
           <a:lstStyle/>
           <a:p>
-            <a:fld id="{DBFAE78A-6B53-49F5-A32C-261A1242165F}" type="slidenum">
+            <a:fld id="{57309E54-340C-4396-AB10-515E6BCC6352}" type="slidenum">
               <a:rPr lang="zh-CN" altLang="en-US" smtClean="0"/>
               <a:t>‹#›</a:t>
             </a:fld>
@@ -2726,7 +2726,7 @@
     </p:spTree>
     <p:extLst>
       <p:ext uri="{BB962C8B-B14F-4D97-AF65-F5344CB8AC3E}">
-        <p14:creationId xmlns:p14="http://schemas.microsoft.com/office/powerpoint/2010/main" val="3624451797"/>
+        <p14:creationId xmlns:p14="http://schemas.microsoft.com/office/powerpoint/2010/main" val="2391462947"/>
       </p:ext>
     </p:extLst>
   </p:cSld>
@@ -2763,7 +2763,7 @@
           <p:cNvPr id="2" name="标题占位符 1">
             <a:extLst>
               <a:ext uri="{FF2B5EF4-FFF2-40B4-BE49-F238E27FC236}">
-                <a16:creationId xmlns:a16="http://schemas.microsoft.com/office/drawing/2014/main" id="{BEC682E1-BD5B-5173-B8DC-779FC3E6BB7F}"/>
+                <a16:creationId xmlns:a16="http://schemas.microsoft.com/office/drawing/2014/main" id="{4CCF6E07-E899-EC86-947D-35BB3BB6E278}"/>
               </a:ext>
             </a:extLst>
           </p:cNvPr>
@@ -2801,7 +2801,7 @@
           <p:cNvPr id="3" name="文本占位符 2">
             <a:extLst>
               <a:ext uri="{FF2B5EF4-FFF2-40B4-BE49-F238E27FC236}">
-                <a16:creationId xmlns:a16="http://schemas.microsoft.com/office/drawing/2014/main" id="{88DF4224-3F4C-2F54-0283-965314989771}"/>
+                <a16:creationId xmlns:a16="http://schemas.microsoft.com/office/drawing/2014/main" id="{6AE548A6-78C9-1CE2-A2EE-1C4D95D0AD28}"/>
               </a:ext>
             </a:extLst>
           </p:cNvPr>
@@ -2868,7 +2868,7 @@
           <p:cNvPr id="4" name="日期占位符 3">
             <a:extLst>
               <a:ext uri="{FF2B5EF4-FFF2-40B4-BE49-F238E27FC236}">
-                <a16:creationId xmlns:a16="http://schemas.microsoft.com/office/drawing/2014/main" id="{0D4B4AE8-0873-9B67-B21B-7A5A3E50B03D}"/>
+                <a16:creationId xmlns:a16="http://schemas.microsoft.com/office/drawing/2014/main" id="{F25A448C-9B70-7499-46E3-ED5DDB994C53}"/>
               </a:ext>
             </a:extLst>
           </p:cNvPr>
@@ -2902,7 +2902,7 @@
             </a:lvl1pPr>
           </a:lstStyle>
           <a:p>
-            <a:fld id="{0A3A396C-AFFB-4A37-B23A-BBC9ADE21DF3}" type="datetimeFigureOut">
+            <a:fld id="{5CB31C1F-6CBA-496E-989C-4F92B8E92F5A}" type="datetimeFigureOut">
               <a:rPr lang="zh-CN" altLang="en-US" smtClean="0"/>
               <a:t>2024/3/10</a:t>
             </a:fld>
@@ -2915,7 +2915,7 @@
           <p:cNvPr id="5" name="页脚占位符 4">
             <a:extLst>
               <a:ext uri="{FF2B5EF4-FFF2-40B4-BE49-F238E27FC236}">
-                <a16:creationId xmlns:a16="http://schemas.microsoft.com/office/drawing/2014/main" id="{4BEAC885-C10F-E212-EC90-37851BDB3761}"/>
+                <a16:creationId xmlns:a16="http://schemas.microsoft.com/office/drawing/2014/main" id="{1FF8618C-6794-B557-664B-6663CE1E8881}"/>
               </a:ext>
             </a:extLst>
           </p:cNvPr>
@@ -2958,7 +2958,7 @@
           <p:cNvPr id="6" name="灯片编号占位符 5">
             <a:extLst>
               <a:ext uri="{FF2B5EF4-FFF2-40B4-BE49-F238E27FC236}">
-                <a16:creationId xmlns:a16="http://schemas.microsoft.com/office/drawing/2014/main" id="{B94F8315-4351-026C-5267-CE800B07F00E}"/>
+                <a16:creationId xmlns:a16="http://schemas.microsoft.com/office/drawing/2014/main" id="{F30A9BE2-F2A7-D67E-55FE-5E6C891F8393}"/>
               </a:ext>
             </a:extLst>
           </p:cNvPr>
@@ -2992,7 +2992,7 @@
             </a:lvl1pPr>
           </a:lstStyle>
           <a:p>
-            <a:fld id="{DBFAE78A-6B53-49F5-A32C-261A1242165F}" type="slidenum">
+            <a:fld id="{57309E54-340C-4396-AB10-515E6BCC6352}" type="slidenum">
               <a:rPr lang="zh-CN" altLang="en-US" smtClean="0"/>
               <a:t>‹#›</a:t>
             </a:fld>
@@ -3003,7 +3003,7 @@
     </p:spTree>
     <p:extLst>
       <p:ext uri="{BB962C8B-B14F-4D97-AF65-F5344CB8AC3E}">
-        <p14:creationId xmlns:p14="http://schemas.microsoft.com/office/powerpoint/2010/main" val="1415320947"/>
+        <p14:creationId xmlns:p14="http://schemas.microsoft.com/office/powerpoint/2010/main" val="2389045054"/>
       </p:ext>
     </p:extLst>
   </p:cSld>
@@ -3323,7 +3323,7 @@
       </p:grpSpPr>
       <p:pic>
         <p:nvPicPr>
-          <p:cNvPr id="1002498" name="Picture 2" descr="978"/>
+          <p:cNvPr id="1003522" name="Picture 2" descr="979"/>
           <p:cNvPicPr>
             <a:picLocks noChangeAspect="1" noChangeArrowheads="1"/>
           </p:cNvPicPr>
@@ -3375,11 +3375,158 @@
           </a:extLst>
         </p:spPr>
       </p:pic>
+      <p:pic>
+        <p:nvPicPr>
+          <p:cNvPr id="1004547" name="Picture 3" descr="979-2"/>
+          <p:cNvPicPr>
+            <a:picLocks noChangeAspect="1" noChangeArrowheads="1"/>
+          </p:cNvPicPr>
+          <p:nvPr/>
+        </p:nvPicPr>
+        <p:blipFill>
+          <a:blip r:embed="rId3">
+            <a:extLst>
+              <a:ext uri="{28A0092B-C50C-407E-A947-70E740481C1C}">
+                <a14:useLocalDpi xmlns:a14="http://schemas.microsoft.com/office/drawing/2010/main" val="0"/>
+              </a:ext>
+            </a:extLst>
+          </a:blip>
+          <a:srcRect/>
+          <a:stretch>
+            <a:fillRect/>
+          </a:stretch>
+        </p:blipFill>
+        <p:spPr bwMode="auto">
+          <a:xfrm>
+            <a:off x="1524000" y="0"/>
+            <a:ext cx="9144000" cy="6858000"/>
+          </a:xfrm>
+          <a:prstGeom prst="rect">
+            <a:avLst/>
+          </a:prstGeom>
+          <a:noFill/>
+          <a:ln>
+            <a:noFill/>
+          </a:ln>
+          <a:effectLst/>
+          <a:extLst>
+            <a:ext uri="{909E8E84-426E-40DD-AFC4-6F175D3DCCD1}">
+              <a14:hiddenFill xmlns:a14="http://schemas.microsoft.com/office/drawing/2010/main">
+                <a:solidFill>
+                  <a:srgbClr val="FFFFFF"/>
+                </a:solidFill>
+              </a14:hiddenFill>
+            </a:ext>
+            <a:ext uri="{91240B29-F687-4F45-9708-019B960494DF}">
+              <a14:hiddenLine xmlns:a14="http://schemas.microsoft.com/office/drawing/2010/main" w="9525">
+                <a:solidFill>
+                  <a:srgbClr val="000000"/>
+                </a:solidFill>
+                <a:miter lim="800000"/>
+                <a:headEnd/>
+                <a:tailEnd/>
+              </a14:hiddenLine>
+            </a:ext>
+            <a:ext uri="{AF507438-7753-43E0-B8FC-AC1667EBCBE1}">
+              <a14:hiddenEffects xmlns:a14="http://schemas.microsoft.com/office/drawing/2010/main">
+                <a:effectLst>
+                  <a:outerShdw dist="35921" dir="2700000" algn="ctr" rotWithShape="0">
+                    <a:srgbClr val="808080"/>
+                  </a:outerShdw>
+                </a:effectLst>
+              </a14:hiddenEffects>
+            </a:ext>
+          </a:extLst>
+        </p:spPr>
+      </p:pic>
     </p:spTree>
   </p:cSld>
   <p:clrMapOvr>
     <a:masterClrMapping/>
   </p:clrMapOvr>
+  <p:timing>
+    <p:tnLst>
+      <p:par>
+        <p:cTn id="1" dur="indefinite" restart="never" nodeType="tmRoot">
+          <p:childTnLst>
+            <p:seq concurrent="1" nextAc="seek">
+              <p:cTn id="2" dur="indefinite" nodeType="mainSeq">
+                <p:childTnLst>
+                  <p:par>
+                    <p:cTn id="3" fill="hold" nodeType="clickPar">
+                      <p:stCondLst>
+                        <p:cond delay="indefinite"/>
+                      </p:stCondLst>
+                      <p:childTnLst>
+                        <p:par>
+                          <p:cTn id="4" fill="hold" nodeType="withGroup">
+                            <p:stCondLst>
+                              <p:cond delay="0"/>
+                            </p:stCondLst>
+                            <p:childTnLst>
+                              <p:par>
+                                <p:cTn id="5" presetID="10" presetClass="entr" presetSubtype="0" fill="hold" nodeType="clickEffect">
+                                  <p:stCondLst>
+                                    <p:cond delay="0"/>
+                                  </p:stCondLst>
+                                  <p:childTnLst>
+                                    <p:set>
+                                      <p:cBhvr>
+                                        <p:cTn id="6" dur="1" fill="hold">
+                                          <p:stCondLst>
+                                            <p:cond delay="0"/>
+                                          </p:stCondLst>
+                                        </p:cTn>
+                                        <p:tgtEl>
+                                          <p:spTgt spid="1004547"/>
+                                        </p:tgtEl>
+                                        <p:attrNameLst>
+                                          <p:attrName>style.visibility</p:attrName>
+                                        </p:attrNameLst>
+                                      </p:cBhvr>
+                                      <p:to>
+                                        <p:strVal val="visible"/>
+                                      </p:to>
+                                    </p:set>
+                                    <p:animEffect transition="in" filter="fade">
+                                      <p:cBhvr>
+                                        <p:cTn id="7" dur="500"/>
+                                        <p:tgtEl>
+                                          <p:spTgt spid="1004547"/>
+                                        </p:tgtEl>
+                                      </p:cBhvr>
+                                    </p:animEffect>
+                                  </p:childTnLst>
+                                </p:cTn>
+                              </p:par>
+                            </p:childTnLst>
+                          </p:cTn>
+                        </p:par>
+                      </p:childTnLst>
+                    </p:cTn>
+                  </p:par>
+                </p:childTnLst>
+              </p:cTn>
+              <p:prevCondLst>
+                <p:cond evt="onPrev" delay="0">
+                  <p:tgtEl>
+                    <p:sldTgt/>
+                  </p:tgtEl>
+                </p:cond>
+              </p:prevCondLst>
+              <p:nextCondLst>
+                <p:cond evt="onNext" delay="0">
+                  <p:tgtEl>
+                    <p:sldTgt/>
+                  </p:tgtEl>
+                </p:cond>
+              </p:nextCondLst>
+            </p:seq>
+          </p:childTnLst>
+        </p:cTn>
+      </p:par>
+    </p:tnLst>
+  </p:timing>
 </p:sld>
 </file>
 
